--- a/First draft presentation.pptx
+++ b/First draft presentation.pptx
@@ -17111,6 +17111,32 @@
             <a:pPr lvl="1"/>
             <a:r>
               <a:rPr lang="en-US" altLang="zh-CN" dirty="0"/>
+              <a:t>There’s a problem with the data</a:t>
+            </a:r>
+          </a:p>
+          <a:p>
+            <a:pPr lvl="2"/>
+            <a:r>
+              <a:rPr lang="en-US" altLang="zh-CN" dirty="0"/>
+              <a:t>The data has too little pattern/too much noise</a:t>
+            </a:r>
+          </a:p>
+          <a:p>
+            <a:pPr lvl="2"/>
+            <a:r>
+              <a:rPr lang="en-US" altLang="zh-CN" dirty="0"/>
+              <a:t>The labels have </a:t>
+            </a:r>
+            <a:r>
+              <a:rPr lang="en-US" altLang="zh-CN"/>
+              <a:t>poor quality</a:t>
+            </a:r>
+            <a:endParaRPr lang="en-US" altLang="zh-CN" dirty="0"/>
+          </a:p>
+          <a:p>
+            <a:pPr lvl="1"/>
+            <a:r>
+              <a:rPr lang="en-US" altLang="zh-CN" dirty="0"/>
               <a:t>There’s a problem with the model</a:t>
             </a:r>
           </a:p>
@@ -17118,7 +17144,14 @@
             <a:pPr lvl="2"/>
             <a:r>
               <a:rPr lang="en-US" altLang="zh-CN" dirty="0"/>
-              <a:t>The model is too complicated for the dataset</a:t>
+              <a:t>The model is too complicated for the data</a:t>
+            </a:r>
+          </a:p>
+          <a:p>
+            <a:pPr lvl="2"/>
+            <a:r>
+              <a:rPr lang="en-US" altLang="zh-CN" dirty="0"/>
+              <a:t>The model architecture does not fit the data</a:t>
             </a:r>
           </a:p>
           <a:p>
@@ -17227,11 +17260,7 @@
           <a:p>
             <a:r>
               <a:rPr lang="en-US" altLang="zh-CN" dirty="0"/>
-              <a:t>If we somehow manage all these above and it still does not work, we might go back to the part of how we generate the labels. Some new ideas already come up, for example, use a regression model to regress the possibility of a peak being V-shape instead of using </a:t>
-            </a:r>
-            <a:r>
-              <a:rPr lang="en-US" altLang="zh-CN"/>
-              <a:t>clustering algorithms.</a:t>
+              <a:t>If we somehow manage all these above and it still does not work, we might go back to the part of how we generate the labels. Some new ideas already come up, for example, use a regression model to regress the possibility of a peak being V-shape instead of using clustering algorithms.</a:t>
             </a:r>
             <a:endParaRPr lang="zh-CN" altLang="en-US" dirty="0"/>
           </a:p>
@@ -17322,6 +17351,13 @@
               <a:rPr lang="en-US" altLang="zh-CN" dirty="0"/>
               <a:t>Project repository: </a:t>
             </a:r>
+            <a:r>
+              <a:rPr lang="en-US" altLang="zh-CN" dirty="0">
+                <a:hlinkClick r:id="rId2"/>
+              </a:rPr>
+              <a:t>https://github.com/N1colTeng/DATA-294P</a:t>
+            </a:r>
+            <a:endParaRPr lang="en-US" altLang="zh-CN" dirty="0"/>
           </a:p>
           <a:p>
             <a:pPr lvl="1"/>

--- a/First draft presentation.pptx
+++ b/First draft presentation.pptx
@@ -232,7 +232,7 @@
           <a:p>
             <a:fld id="{BCBC17D4-2198-4BE1-96F5-B162950C574F}" type="datetimeFigureOut">
               <a:rPr lang="zh-CN" altLang="en-US" smtClean="0"/>
-              <a:t>2024/7/26</a:t>
+              <a:t>2024/7/29</a:t>
             </a:fld>
             <a:endParaRPr lang="zh-CN" altLang="en-US"/>
           </a:p>
@@ -809,7 +809,7 @@
           <a:p>
             <a:fld id="{2C842EE8-1657-4E26-B907-68116C720729}" type="datetimeFigureOut">
               <a:rPr lang="zh-CN" altLang="en-US" smtClean="0"/>
-              <a:t>2024/7/26</a:t>
+              <a:t>2024/7/29</a:t>
             </a:fld>
             <a:endParaRPr lang="zh-CN" altLang="en-US"/>
           </a:p>
@@ -979,7 +979,7 @@
           <a:p>
             <a:fld id="{2C842EE8-1657-4E26-B907-68116C720729}" type="datetimeFigureOut">
               <a:rPr lang="zh-CN" altLang="en-US" smtClean="0"/>
-              <a:t>2024/7/26</a:t>
+              <a:t>2024/7/29</a:t>
             </a:fld>
             <a:endParaRPr lang="zh-CN" altLang="en-US"/>
           </a:p>
@@ -1159,7 +1159,7 @@
           <a:p>
             <a:fld id="{2C842EE8-1657-4E26-B907-68116C720729}" type="datetimeFigureOut">
               <a:rPr lang="zh-CN" altLang="en-US" smtClean="0"/>
-              <a:t>2024/7/26</a:t>
+              <a:t>2024/7/29</a:t>
             </a:fld>
             <a:endParaRPr lang="zh-CN" altLang="en-US"/>
           </a:p>
@@ -1362,7 +1362,7 @@
           <a:p>
             <a:fld id="{2C842EE8-1657-4E26-B907-68116C720729}" type="datetimeFigureOut">
               <a:rPr lang="zh-CN" altLang="en-US" smtClean="0"/>
-              <a:t>2024/7/26</a:t>
+              <a:t>2024/7/29</a:t>
             </a:fld>
             <a:endParaRPr lang="zh-CN" altLang="en-US"/>
           </a:p>
@@ -1532,7 +1532,7 @@
           <a:p>
             <a:fld id="{2C842EE8-1657-4E26-B907-68116C720729}" type="datetimeFigureOut">
               <a:rPr lang="zh-CN" altLang="en-US" smtClean="0"/>
-              <a:t>2024/7/26</a:t>
+              <a:t>2024/7/29</a:t>
             </a:fld>
             <a:endParaRPr lang="zh-CN" altLang="en-US"/>
           </a:p>
@@ -1783,7 +1783,7 @@
           <a:p>
             <a:fld id="{2C842EE8-1657-4E26-B907-68116C720729}" type="datetimeFigureOut">
               <a:rPr lang="zh-CN" altLang="en-US" smtClean="0"/>
-              <a:t>2024/7/26</a:t>
+              <a:t>2024/7/29</a:t>
             </a:fld>
             <a:endParaRPr lang="zh-CN" altLang="en-US"/>
           </a:p>
@@ -2015,7 +2015,7 @@
           <a:p>
             <a:fld id="{2C842EE8-1657-4E26-B907-68116C720729}" type="datetimeFigureOut">
               <a:rPr lang="zh-CN" altLang="en-US" smtClean="0"/>
-              <a:t>2024/7/26</a:t>
+              <a:t>2024/7/29</a:t>
             </a:fld>
             <a:endParaRPr lang="zh-CN" altLang="en-US"/>
           </a:p>
@@ -2362,7 +2362,7 @@
           <a:p>
             <a:fld id="{2C842EE8-1657-4E26-B907-68116C720729}" type="datetimeFigureOut">
               <a:rPr lang="zh-CN" altLang="en-US" smtClean="0"/>
-              <a:t>2024/7/26</a:t>
+              <a:t>2024/7/29</a:t>
             </a:fld>
             <a:endParaRPr lang="zh-CN" altLang="en-US"/>
           </a:p>
@@ -2480,7 +2480,7 @@
           <a:p>
             <a:fld id="{2C842EE8-1657-4E26-B907-68116C720729}" type="datetimeFigureOut">
               <a:rPr lang="zh-CN" altLang="en-US" smtClean="0"/>
-              <a:t>2024/7/26</a:t>
+              <a:t>2024/7/29</a:t>
             </a:fld>
             <a:endParaRPr lang="zh-CN" altLang="en-US"/>
           </a:p>
@@ -2598,7 +2598,7 @@
           <a:p>
             <a:fld id="{2C842EE8-1657-4E26-B907-68116C720729}" type="datetimeFigureOut">
               <a:rPr lang="zh-CN" altLang="en-US" smtClean="0"/>
-              <a:t>2024/7/26</a:t>
+              <a:t>2024/7/29</a:t>
             </a:fld>
             <a:endParaRPr lang="zh-CN" altLang="en-US"/>
           </a:p>
@@ -2882,7 +2882,7 @@
           <a:p>
             <a:fld id="{2C842EE8-1657-4E26-B907-68116C720729}" type="datetimeFigureOut">
               <a:rPr lang="zh-CN" altLang="en-US" smtClean="0"/>
-              <a:t>2024/7/26</a:t>
+              <a:t>2024/7/29</a:t>
             </a:fld>
             <a:endParaRPr lang="zh-CN" altLang="en-US"/>
           </a:p>
@@ -3052,7 +3052,7 @@
           <a:p>
             <a:fld id="{2C842EE8-1657-4E26-B907-68116C720729}" type="datetimeFigureOut">
               <a:rPr lang="zh-CN" altLang="en-US" smtClean="0"/>
-              <a:t>2024/7/26</a:t>
+              <a:t>2024/7/29</a:t>
             </a:fld>
             <a:endParaRPr lang="zh-CN" altLang="en-US"/>
           </a:p>
@@ -3316,7 +3316,7 @@
           <a:p>
             <a:fld id="{2C842EE8-1657-4E26-B907-68116C720729}" type="datetimeFigureOut">
               <a:rPr lang="zh-CN" altLang="en-US" smtClean="0"/>
-              <a:t>2024/7/26</a:t>
+              <a:t>2024/7/29</a:t>
             </a:fld>
             <a:endParaRPr lang="zh-CN" altLang="en-US"/>
           </a:p>
@@ -3486,7 +3486,7 @@
           <a:p>
             <a:fld id="{2C842EE8-1657-4E26-B907-68116C720729}" type="datetimeFigureOut">
               <a:rPr lang="zh-CN" altLang="en-US" smtClean="0"/>
-              <a:t>2024/7/26</a:t>
+              <a:t>2024/7/29</a:t>
             </a:fld>
             <a:endParaRPr lang="zh-CN" altLang="en-US"/>
           </a:p>
@@ -3666,7 +3666,7 @@
           <a:p>
             <a:fld id="{2C842EE8-1657-4E26-B907-68116C720729}" type="datetimeFigureOut">
               <a:rPr lang="zh-CN" altLang="en-US" smtClean="0"/>
-              <a:t>2024/7/26</a:t>
+              <a:t>2024/7/29</a:t>
             </a:fld>
             <a:endParaRPr lang="zh-CN" altLang="en-US"/>
           </a:p>
@@ -3869,7 +3869,7 @@
           <a:p>
             <a:fld id="{2C842EE8-1657-4E26-B907-68116C720729}" type="datetimeFigureOut">
               <a:rPr lang="zh-CN" altLang="en-US" smtClean="0"/>
-              <a:t>2024/7/26</a:t>
+              <a:t>2024/7/29</a:t>
             </a:fld>
             <a:endParaRPr lang="zh-CN" altLang="en-US"/>
           </a:p>
@@ -4039,7 +4039,7 @@
           <a:p>
             <a:fld id="{2C842EE8-1657-4E26-B907-68116C720729}" type="datetimeFigureOut">
               <a:rPr lang="zh-CN" altLang="en-US" smtClean="0"/>
-              <a:t>2024/7/26</a:t>
+              <a:t>2024/7/29</a:t>
             </a:fld>
             <a:endParaRPr lang="zh-CN" altLang="en-US"/>
           </a:p>
@@ -4290,7 +4290,7 @@
           <a:p>
             <a:fld id="{2C842EE8-1657-4E26-B907-68116C720729}" type="datetimeFigureOut">
               <a:rPr lang="zh-CN" altLang="en-US" smtClean="0"/>
-              <a:t>2024/7/26</a:t>
+              <a:t>2024/7/29</a:t>
             </a:fld>
             <a:endParaRPr lang="zh-CN" altLang="en-US"/>
           </a:p>
@@ -4522,7 +4522,7 @@
           <a:p>
             <a:fld id="{2C842EE8-1657-4E26-B907-68116C720729}" type="datetimeFigureOut">
               <a:rPr lang="zh-CN" altLang="en-US" smtClean="0"/>
-              <a:t>2024/7/26</a:t>
+              <a:t>2024/7/29</a:t>
             </a:fld>
             <a:endParaRPr lang="zh-CN" altLang="en-US"/>
           </a:p>
@@ -4869,7 +4869,7 @@
           <a:p>
             <a:fld id="{2C842EE8-1657-4E26-B907-68116C720729}" type="datetimeFigureOut">
               <a:rPr lang="zh-CN" altLang="en-US" smtClean="0"/>
-              <a:t>2024/7/26</a:t>
+              <a:t>2024/7/29</a:t>
             </a:fld>
             <a:endParaRPr lang="zh-CN" altLang="en-US"/>
           </a:p>
@@ -4987,7 +4987,7 @@
           <a:p>
             <a:fld id="{2C842EE8-1657-4E26-B907-68116C720729}" type="datetimeFigureOut">
               <a:rPr lang="zh-CN" altLang="en-US" smtClean="0"/>
-              <a:t>2024/7/26</a:t>
+              <a:t>2024/7/29</a:t>
             </a:fld>
             <a:endParaRPr lang="zh-CN" altLang="en-US"/>
           </a:p>
@@ -5105,7 +5105,7 @@
           <a:p>
             <a:fld id="{2C842EE8-1657-4E26-B907-68116C720729}" type="datetimeFigureOut">
               <a:rPr lang="zh-CN" altLang="en-US" smtClean="0"/>
-              <a:t>2024/7/26</a:t>
+              <a:t>2024/7/29</a:t>
             </a:fld>
             <a:endParaRPr lang="zh-CN" altLang="en-US"/>
           </a:p>
@@ -5356,7 +5356,7 @@
           <a:p>
             <a:fld id="{2C842EE8-1657-4E26-B907-68116C720729}" type="datetimeFigureOut">
               <a:rPr lang="zh-CN" altLang="en-US" smtClean="0"/>
-              <a:t>2024/7/26</a:t>
+              <a:t>2024/7/29</a:t>
             </a:fld>
             <a:endParaRPr lang="zh-CN" altLang="en-US"/>
           </a:p>
@@ -5640,7 +5640,7 @@
           <a:p>
             <a:fld id="{2C842EE8-1657-4E26-B907-68116C720729}" type="datetimeFigureOut">
               <a:rPr lang="zh-CN" altLang="en-US" smtClean="0"/>
-              <a:t>2024/7/26</a:t>
+              <a:t>2024/7/29</a:t>
             </a:fld>
             <a:endParaRPr lang="zh-CN" altLang="en-US"/>
           </a:p>
@@ -5904,7 +5904,7 @@
           <a:p>
             <a:fld id="{2C842EE8-1657-4E26-B907-68116C720729}" type="datetimeFigureOut">
               <a:rPr lang="zh-CN" altLang="en-US" smtClean="0"/>
-              <a:t>2024/7/26</a:t>
+              <a:t>2024/7/29</a:t>
             </a:fld>
             <a:endParaRPr lang="zh-CN" altLang="en-US"/>
           </a:p>
@@ -6074,7 +6074,7 @@
           <a:p>
             <a:fld id="{2C842EE8-1657-4E26-B907-68116C720729}" type="datetimeFigureOut">
               <a:rPr lang="zh-CN" altLang="en-US" smtClean="0"/>
-              <a:t>2024/7/26</a:t>
+              <a:t>2024/7/29</a:t>
             </a:fld>
             <a:endParaRPr lang="zh-CN" altLang="en-US"/>
           </a:p>
@@ -6254,7 +6254,7 @@
           <a:p>
             <a:fld id="{2C842EE8-1657-4E26-B907-68116C720729}" type="datetimeFigureOut">
               <a:rPr lang="zh-CN" altLang="en-US" smtClean="0"/>
-              <a:t>2024/7/26</a:t>
+              <a:t>2024/7/29</a:t>
             </a:fld>
             <a:endParaRPr lang="zh-CN" altLang="en-US"/>
           </a:p>
@@ -6541,7 +6541,7 @@
           <a:p>
             <a:fld id="{2C842EE8-1657-4E26-B907-68116C720729}" type="datetimeFigureOut">
               <a:rPr lang="zh-CN" altLang="en-US" smtClean="0"/>
-              <a:t>2024/7/26</a:t>
+              <a:t>2024/7/29</a:t>
             </a:fld>
             <a:endParaRPr lang="zh-CN" altLang="en-US"/>
           </a:p>
@@ -6753,7 +6753,7 @@
           <a:p>
             <a:fld id="{2C842EE8-1657-4E26-B907-68116C720729}" type="datetimeFigureOut">
               <a:rPr lang="zh-CN" altLang="en-US" smtClean="0"/>
-              <a:t>2024/7/26</a:t>
+              <a:t>2024/7/29</a:t>
             </a:fld>
             <a:endParaRPr lang="zh-CN" altLang="en-US"/>
           </a:p>
@@ -7096,7 +7096,7 @@
           <a:p>
             <a:fld id="{2C842EE8-1657-4E26-B907-68116C720729}" type="datetimeFigureOut">
               <a:rPr lang="zh-CN" altLang="en-US" smtClean="0"/>
-              <a:t>2024/7/26</a:t>
+              <a:t>2024/7/29</a:t>
             </a:fld>
             <a:endParaRPr lang="zh-CN" altLang="en-US"/>
           </a:p>
@@ -7371,7 +7371,7 @@
           <a:p>
             <a:fld id="{2C842EE8-1657-4E26-B907-68116C720729}" type="datetimeFigureOut">
               <a:rPr lang="zh-CN" altLang="en-US" smtClean="0"/>
-              <a:t>2024/7/26</a:t>
+              <a:t>2024/7/29</a:t>
             </a:fld>
             <a:endParaRPr lang="zh-CN" altLang="en-US"/>
           </a:p>
@@ -7750,7 +7750,7 @@
           <a:p>
             <a:fld id="{2C842EE8-1657-4E26-B907-68116C720729}" type="datetimeFigureOut">
               <a:rPr lang="zh-CN" altLang="en-US" smtClean="0"/>
-              <a:t>2024/7/26</a:t>
+              <a:t>2024/7/29</a:t>
             </a:fld>
             <a:endParaRPr lang="zh-CN" altLang="en-US"/>
           </a:p>
@@ -7868,7 +7868,7 @@
           <a:p>
             <a:fld id="{2C842EE8-1657-4E26-B907-68116C720729}" type="datetimeFigureOut">
               <a:rPr lang="zh-CN" altLang="en-US" smtClean="0"/>
-              <a:t>2024/7/26</a:t>
+              <a:t>2024/7/29</a:t>
             </a:fld>
             <a:endParaRPr lang="zh-CN" altLang="en-US"/>
           </a:p>
@@ -8100,7 +8100,7 @@
           <a:p>
             <a:fld id="{2C842EE8-1657-4E26-B907-68116C720729}" type="datetimeFigureOut">
               <a:rPr lang="zh-CN" altLang="en-US" smtClean="0"/>
-              <a:t>2024/7/26</a:t>
+              <a:t>2024/7/29</a:t>
             </a:fld>
             <a:endParaRPr lang="zh-CN" altLang="en-US"/>
           </a:p>
@@ -8271,7 +8271,7 @@
           <a:p>
             <a:fld id="{2C842EE8-1657-4E26-B907-68116C720729}" type="datetimeFigureOut">
               <a:rPr lang="zh-CN" altLang="en-US" smtClean="0"/>
-              <a:t>2024/7/26</a:t>
+              <a:t>2024/7/29</a:t>
             </a:fld>
             <a:endParaRPr lang="zh-CN" altLang="en-US"/>
           </a:p>
@@ -8625,7 +8625,7 @@
           <a:p>
             <a:fld id="{2C842EE8-1657-4E26-B907-68116C720729}" type="datetimeFigureOut">
               <a:rPr lang="zh-CN" altLang="en-US" smtClean="0"/>
-              <a:t>2024/7/26</a:t>
+              <a:t>2024/7/29</a:t>
             </a:fld>
             <a:endParaRPr lang="zh-CN" altLang="en-US"/>
           </a:p>
@@ -9007,7 +9007,7 @@
           <a:p>
             <a:fld id="{2C842EE8-1657-4E26-B907-68116C720729}" type="datetimeFigureOut">
               <a:rPr lang="zh-CN" altLang="en-US" smtClean="0"/>
-              <a:t>2024/7/26</a:t>
+              <a:t>2024/7/29</a:t>
             </a:fld>
             <a:endParaRPr lang="zh-CN" altLang="en-US"/>
           </a:p>
@@ -9177,7 +9177,7 @@
           <a:p>
             <a:fld id="{2C842EE8-1657-4E26-B907-68116C720729}" type="datetimeFigureOut">
               <a:rPr lang="zh-CN" altLang="en-US" smtClean="0"/>
-              <a:t>2024/7/26</a:t>
+              <a:t>2024/7/29</a:t>
             </a:fld>
             <a:endParaRPr lang="zh-CN" altLang="en-US"/>
           </a:p>
@@ -9433,7 +9433,7 @@
           <a:p>
             <a:fld id="{2C842EE8-1657-4E26-B907-68116C720729}" type="datetimeFigureOut">
               <a:rPr lang="zh-CN" altLang="en-US" smtClean="0"/>
-              <a:t>2024/7/26</a:t>
+              <a:t>2024/7/29</a:t>
             </a:fld>
             <a:endParaRPr lang="zh-CN" altLang="en-US"/>
           </a:p>
@@ -9780,7 +9780,7 @@
           <a:p>
             <a:fld id="{2C842EE8-1657-4E26-B907-68116C720729}" type="datetimeFigureOut">
               <a:rPr lang="zh-CN" altLang="en-US" smtClean="0"/>
-              <a:t>2024/7/26</a:t>
+              <a:t>2024/7/29</a:t>
             </a:fld>
             <a:endParaRPr lang="zh-CN" altLang="en-US"/>
           </a:p>
@@ -9898,7 +9898,7 @@
           <a:p>
             <a:fld id="{2C842EE8-1657-4E26-B907-68116C720729}" type="datetimeFigureOut">
               <a:rPr lang="zh-CN" altLang="en-US" smtClean="0"/>
-              <a:t>2024/7/26</a:t>
+              <a:t>2024/7/29</a:t>
             </a:fld>
             <a:endParaRPr lang="zh-CN" altLang="en-US"/>
           </a:p>
@@ -10016,7 +10016,7 @@
           <a:p>
             <a:fld id="{2C842EE8-1657-4E26-B907-68116C720729}" type="datetimeFigureOut">
               <a:rPr lang="zh-CN" altLang="en-US" smtClean="0"/>
-              <a:t>2024/7/26</a:t>
+              <a:t>2024/7/29</a:t>
             </a:fld>
             <a:endParaRPr lang="zh-CN" altLang="en-US"/>
           </a:p>
@@ -10300,7 +10300,7 @@
           <a:p>
             <a:fld id="{2C842EE8-1657-4E26-B907-68116C720729}" type="datetimeFigureOut">
               <a:rPr lang="zh-CN" altLang="en-US" smtClean="0"/>
-              <a:t>2024/7/26</a:t>
+              <a:t>2024/7/29</a:t>
             </a:fld>
             <a:endParaRPr lang="zh-CN" altLang="en-US"/>
           </a:p>
@@ -10564,7 +10564,7 @@
           <a:p>
             <a:fld id="{2C842EE8-1657-4E26-B907-68116C720729}" type="datetimeFigureOut">
               <a:rPr lang="zh-CN" altLang="en-US" smtClean="0"/>
-              <a:t>2024/7/26</a:t>
+              <a:t>2024/7/29</a:t>
             </a:fld>
             <a:endParaRPr lang="zh-CN" altLang="en-US"/>
           </a:p>
@@ -10778,7 +10778,7 @@
           <a:p>
             <a:fld id="{2C842EE8-1657-4E26-B907-68116C720729}" type="datetimeFigureOut">
               <a:rPr lang="zh-CN" altLang="en-US" smtClean="0"/>
-              <a:t>2024/7/26</a:t>
+              <a:t>2024/7/29</a:t>
             </a:fld>
             <a:endParaRPr lang="zh-CN" altLang="en-US"/>
           </a:p>
@@ -11313,7 +11313,7 @@
           <a:p>
             <a:fld id="{2C842EE8-1657-4E26-B907-68116C720729}" type="datetimeFigureOut">
               <a:rPr lang="zh-CN" altLang="en-US" smtClean="0"/>
-              <a:t>2024/7/26</a:t>
+              <a:t>2024/7/29</a:t>
             </a:fld>
             <a:endParaRPr lang="zh-CN" altLang="en-US"/>
           </a:p>
@@ -11848,7 +11848,7 @@
           <a:p>
             <a:fld id="{2C842EE8-1657-4E26-B907-68116C720729}" type="datetimeFigureOut">
               <a:rPr lang="zh-CN" altLang="en-US" smtClean="0"/>
-              <a:t>2024/7/26</a:t>
+              <a:t>2024/7/29</a:t>
             </a:fld>
             <a:endParaRPr lang="zh-CN" altLang="en-US"/>
           </a:p>
@@ -12456,7 +12456,7 @@
           <a:p>
             <a:fld id="{2C842EE8-1657-4E26-B907-68116C720729}" type="datetimeFigureOut">
               <a:rPr lang="zh-CN" altLang="en-US" smtClean="0"/>
-              <a:t>2024/7/26</a:t>
+              <a:t>2024/7/29</a:t>
             </a:fld>
             <a:endParaRPr lang="zh-CN" altLang="en-US"/>
           </a:p>
@@ -17364,6 +17364,12 @@
             <a:r>
               <a:rPr lang="en-US" altLang="zh-CN" dirty="0"/>
               <a:t>Link to presentation video: </a:t>
+            </a:r>
+            <a:r>
+              <a:rPr lang="en-US" altLang="zh-CN" dirty="0">
+                <a:hlinkClick r:id="rId3"/>
+              </a:rPr>
+              <a:t>https://youtu.be/VmiFKyky7bI </a:t>
             </a:r>
             <a:endParaRPr lang="zh-CN" altLang="en-US" dirty="0"/>
           </a:p>

--- a/First draft presentation.pptx
+++ b/First draft presentation.pptx
@@ -17369,7 +17369,7 @@
               <a:rPr lang="en-US" altLang="zh-CN" dirty="0">
                 <a:hlinkClick r:id="rId3"/>
               </a:rPr>
-              <a:t>https://youtu.be/VmiFKyky7bI </a:t>
+              <a:t>https://youtu.be/KirmEBSLh5Q</a:t>
             </a:r>
             <a:endParaRPr lang="zh-CN" altLang="en-US" dirty="0"/>
           </a:p>
